--- a/DEBkiss results/Post defense work/Updates with inhibition correction factor.pptx
+++ b/DEBkiss results/Post defense work/Updates with inhibition correction factor.pptx
@@ -20,6 +20,7 @@
     <p:sldId id="269" r:id="rId14"/>
     <p:sldId id="266" r:id="rId15"/>
     <p:sldId id="267" r:id="rId16"/>
+    <p:sldId id="271" r:id="rId17"/>
   </p:sldIdLst>
   <p:sldSz cx="12192000" cy="6858000"/>
   <p:notesSz cx="6858000" cy="9144000"/>
@@ -273,7 +274,7 @@
           <a:p>
             <a:fld id="{40739969-62B4-48FF-BB11-B204DE04C3A6}" type="datetimeFigureOut">
               <a:rPr lang="en-US" smtClean="0"/>
-              <a:t>12/27/2023</a:t>
+              <a:t>1/18/2024</a:t>
             </a:fld>
             <a:endParaRPr lang="en-US"/>
           </a:p>
@@ -471,7 +472,7 @@
           <a:p>
             <a:fld id="{40739969-62B4-48FF-BB11-B204DE04C3A6}" type="datetimeFigureOut">
               <a:rPr lang="en-US" smtClean="0"/>
-              <a:t>12/27/2023</a:t>
+              <a:t>1/18/2024</a:t>
             </a:fld>
             <a:endParaRPr lang="en-US"/>
           </a:p>
@@ -679,7 +680,7 @@
           <a:p>
             <a:fld id="{40739969-62B4-48FF-BB11-B204DE04C3A6}" type="datetimeFigureOut">
               <a:rPr lang="en-US" smtClean="0"/>
-              <a:t>12/27/2023</a:t>
+              <a:t>1/18/2024</a:t>
             </a:fld>
             <a:endParaRPr lang="en-US"/>
           </a:p>
@@ -877,7 +878,7 @@
           <a:p>
             <a:fld id="{40739969-62B4-48FF-BB11-B204DE04C3A6}" type="datetimeFigureOut">
               <a:rPr lang="en-US" smtClean="0"/>
-              <a:t>12/27/2023</a:t>
+              <a:t>1/18/2024</a:t>
             </a:fld>
             <a:endParaRPr lang="en-US"/>
           </a:p>
@@ -1152,7 +1153,7 @@
           <a:p>
             <a:fld id="{40739969-62B4-48FF-BB11-B204DE04C3A6}" type="datetimeFigureOut">
               <a:rPr lang="en-US" smtClean="0"/>
-              <a:t>12/27/2023</a:t>
+              <a:t>1/18/2024</a:t>
             </a:fld>
             <a:endParaRPr lang="en-US"/>
           </a:p>
@@ -1417,7 +1418,7 @@
           <a:p>
             <a:fld id="{40739969-62B4-48FF-BB11-B204DE04C3A6}" type="datetimeFigureOut">
               <a:rPr lang="en-US" smtClean="0"/>
-              <a:t>12/27/2023</a:t>
+              <a:t>1/18/2024</a:t>
             </a:fld>
             <a:endParaRPr lang="en-US"/>
           </a:p>
@@ -1829,7 +1830,7 @@
           <a:p>
             <a:fld id="{40739969-62B4-48FF-BB11-B204DE04C3A6}" type="datetimeFigureOut">
               <a:rPr lang="en-US" smtClean="0"/>
-              <a:t>12/27/2023</a:t>
+              <a:t>1/18/2024</a:t>
             </a:fld>
             <a:endParaRPr lang="en-US"/>
           </a:p>
@@ -1970,7 +1971,7 @@
           <a:p>
             <a:fld id="{40739969-62B4-48FF-BB11-B204DE04C3A6}" type="datetimeFigureOut">
               <a:rPr lang="en-US" smtClean="0"/>
-              <a:t>12/27/2023</a:t>
+              <a:t>1/18/2024</a:t>
             </a:fld>
             <a:endParaRPr lang="en-US"/>
           </a:p>
@@ -2083,7 +2084,7 @@
           <a:p>
             <a:fld id="{40739969-62B4-48FF-BB11-B204DE04C3A6}" type="datetimeFigureOut">
               <a:rPr lang="en-US" smtClean="0"/>
-              <a:t>12/27/2023</a:t>
+              <a:t>1/18/2024</a:t>
             </a:fld>
             <a:endParaRPr lang="en-US"/>
           </a:p>
@@ -2394,7 +2395,7 @@
           <a:p>
             <a:fld id="{40739969-62B4-48FF-BB11-B204DE04C3A6}" type="datetimeFigureOut">
               <a:rPr lang="en-US" smtClean="0"/>
-              <a:t>12/27/2023</a:t>
+              <a:t>1/18/2024</a:t>
             </a:fld>
             <a:endParaRPr lang="en-US"/>
           </a:p>
@@ -2682,7 +2683,7 @@
           <a:p>
             <a:fld id="{40739969-62B4-48FF-BB11-B204DE04C3A6}" type="datetimeFigureOut">
               <a:rPr lang="en-US" smtClean="0"/>
-              <a:t>12/27/2023</a:t>
+              <a:t>1/18/2024</a:t>
             </a:fld>
             <a:endParaRPr lang="en-US"/>
           </a:p>
@@ -2923,7 +2924,7 @@
           <a:p>
             <a:fld id="{40739969-62B4-48FF-BB11-B204DE04C3A6}" type="datetimeFigureOut">
               <a:rPr lang="en-US" smtClean="0"/>
-              <a:t>12/27/2023</a:t>
+              <a:t>1/18/2024</a:t>
             </a:fld>
             <a:endParaRPr lang="en-US"/>
           </a:p>
@@ -5271,7 +5272,7 @@
             <p:ph idx="1"/>
             <p:extLst>
               <p:ext uri="{D42A27DB-BD31-4B8C-83A1-F6EECF244321}">
-                <p14:modId xmlns:p14="http://schemas.microsoft.com/office/powerpoint/2010/main" val="1842717593"/>
+                <p14:modId xmlns:p14="http://schemas.microsoft.com/office/powerpoint/2010/main" val="2317660617"/>
               </p:ext>
             </p:extLst>
           </p:nvPr>
@@ -5376,7 +5377,7 @@
                         <a:rPr lang="en-US" sz="1600" kern="100" dirty="0">
                           <a:effectLst/>
                         </a:rPr>
-                        <a:t>Estimated Z [95% CI)</a:t>
+                        <a:t>Estimated Z [95% CI]</a:t>
                       </a:r>
                       <a:endParaRPr lang="en-US" sz="1600" kern="100" dirty="0">
                         <a:effectLst/>
@@ -5757,12 +5758,12 @@
                         </a:spcAft>
                       </a:pPr>
                       <a:r>
-                        <a:rPr lang="en-US" sz="1600" kern="100">
+                        <a:rPr lang="en-US" sz="1600" kern="100" dirty="0">
                           <a:effectLst/>
                         </a:rPr>
                         <a:t>848.65</a:t>
                       </a:r>
-                      <a:endParaRPr lang="en-US" sz="1600" kern="100">
+                      <a:endParaRPr lang="en-US" sz="1600" kern="100" dirty="0">
                         <a:effectLst/>
                         <a:latin typeface="Calibri" panose="020F0502020204030204" pitchFamily="34" charset="0"/>
                         <a:ea typeface="Calibri" panose="020F0502020204030204" pitchFamily="34" charset="0"/>
@@ -5960,12 +5961,12 @@
                         </a:spcAft>
                       </a:pPr>
                       <a:r>
-                        <a:rPr lang="en-US" sz="1600" kern="100">
+                        <a:rPr lang="en-US" sz="1600" kern="100" dirty="0">
                           <a:effectLst/>
                         </a:rPr>
                         <a:t>855.00</a:t>
                       </a:r>
-                      <a:endParaRPr lang="en-US" sz="1600" kern="100">
+                      <a:endParaRPr lang="en-US" sz="1600" kern="100" dirty="0">
                         <a:effectLst/>
                         <a:latin typeface="Calibri" panose="020F0502020204030204" pitchFamily="34" charset="0"/>
                         <a:ea typeface="Calibri" panose="020F0502020204030204" pitchFamily="34" charset="0"/>
@@ -6183,12 +6184,12 @@
                         </a:spcAft>
                       </a:pPr>
                       <a:r>
-                        <a:rPr lang="en-US" sz="1600" kern="100">
+                        <a:rPr lang="en-US" sz="1600" kern="100" dirty="0">
                           <a:effectLst/>
                         </a:rPr>
                         <a:t>56.61</a:t>
                       </a:r>
-                      <a:endParaRPr lang="en-US" sz="1600" kern="100">
+                      <a:endParaRPr lang="en-US" sz="1600" kern="100" dirty="0">
                         <a:effectLst/>
                         <a:latin typeface="Calibri" panose="020F0502020204030204" pitchFamily="34" charset="0"/>
                         <a:ea typeface="Calibri" panose="020F0502020204030204" pitchFamily="34" charset="0"/>
@@ -6380,12 +6381,12 @@
                         </a:spcAft>
                       </a:pPr>
                       <a:r>
-                        <a:rPr lang="en-US" sz="1600" kern="100">
+                        <a:rPr lang="en-US" sz="1600" kern="100" dirty="0">
                           <a:effectLst/>
                         </a:rPr>
                         <a:t>29.21</a:t>
                       </a:r>
-                      <a:endParaRPr lang="en-US" sz="1600" kern="100">
+                      <a:endParaRPr lang="en-US" sz="1600" kern="100" dirty="0">
                         <a:effectLst/>
                         <a:latin typeface="Calibri" panose="020F0502020204030204" pitchFamily="34" charset="0"/>
                         <a:ea typeface="Calibri" panose="020F0502020204030204" pitchFamily="34" charset="0"/>
@@ -6768,12 +6769,12 @@
                         </a:spcAft>
                       </a:pPr>
                       <a:r>
-                        <a:rPr lang="en-US" sz="1600" kern="100">
+                        <a:rPr lang="en-US" sz="1600" kern="100" dirty="0">
                           <a:effectLst/>
                         </a:rPr>
                         <a:t>44.14</a:t>
                       </a:r>
-                      <a:endParaRPr lang="en-US" sz="1600" kern="100">
+                      <a:endParaRPr lang="en-US" sz="1600" kern="100" dirty="0">
                         <a:effectLst/>
                         <a:latin typeface="Calibri" panose="020F0502020204030204" pitchFamily="34" charset="0"/>
                         <a:ea typeface="Calibri" panose="020F0502020204030204" pitchFamily="34" charset="0"/>
@@ -6959,12 +6960,12 @@
                         </a:spcAft>
                       </a:pPr>
                       <a:r>
-                        <a:rPr lang="en-US" sz="1600" kern="100">
+                        <a:rPr lang="en-US" sz="1600" kern="100" dirty="0">
                           <a:effectLst/>
                         </a:rPr>
                         <a:t>27.27</a:t>
                       </a:r>
-                      <a:endParaRPr lang="en-US" sz="1600" kern="100">
+                      <a:endParaRPr lang="en-US" sz="1600" kern="100" dirty="0">
                         <a:effectLst/>
                         <a:latin typeface="Calibri" panose="020F0502020204030204" pitchFamily="34" charset="0"/>
                         <a:ea typeface="Calibri" panose="020F0502020204030204" pitchFamily="34" charset="0"/>
@@ -7206,12 +7207,12 @@
                         </a:spcAft>
                       </a:pPr>
                       <a:r>
-                        <a:rPr lang="en-US" sz="1600" kern="100">
+                        <a:rPr lang="en-US" sz="1600" kern="100" dirty="0">
                           <a:effectLst/>
                         </a:rPr>
                         <a:t>2.2e-4</a:t>
                       </a:r>
-                      <a:endParaRPr lang="en-US" sz="1600" kern="100">
+                      <a:endParaRPr lang="en-US" sz="1600" kern="100" dirty="0">
                         <a:effectLst/>
                         <a:latin typeface="Calibri" panose="020F0502020204030204" pitchFamily="34" charset="0"/>
                         <a:ea typeface="Calibri" panose="020F0502020204030204" pitchFamily="34" charset="0"/>
@@ -7654,12 +7655,12 @@
                         </a:spcAft>
                       </a:pPr>
                       <a:r>
-                        <a:rPr lang="en-US" sz="1600" kern="100">
+                        <a:rPr lang="en-US" sz="1600" kern="100" dirty="0">
                           <a:effectLst/>
                         </a:rPr>
                         <a:t>2.5e-4</a:t>
                       </a:r>
-                      <a:endParaRPr lang="en-US" sz="1600" kern="100">
+                      <a:endParaRPr lang="en-US" sz="1600" kern="100" dirty="0">
                         <a:effectLst/>
                         <a:latin typeface="Calibri" panose="020F0502020204030204" pitchFamily="34" charset="0"/>
                         <a:ea typeface="Calibri" panose="020F0502020204030204" pitchFamily="34" charset="0"/>
@@ -7928,8 +7929,8 @@
         </p:nvSpPr>
         <p:spPr bwMode="auto">
           <a:xfrm>
-            <a:off x="918749" y="6174264"/>
-            <a:ext cx="10354501" cy="369332"/>
+            <a:off x="918749" y="6035765"/>
+            <a:ext cx="10301603" cy="646331"/>
           </a:xfrm>
           <a:prstGeom prst="rect">
             <a:avLst/>
@@ -8201,7 +8202,218 @@
                 <a:ea typeface="Calibri" panose="020F0502020204030204" pitchFamily="34" charset="0"/>
                 <a:cs typeface="Times New Roman" panose="02020603050405020304" pitchFamily="18" charset="0"/>
               </a:rPr>
-              <a:t>. </a:t>
+              <a:t>.</a:t>
+            </a:r>
+          </a:p>
+          <a:p>
+            <a:pPr marL="0" marR="0" lvl="0" indent="0" algn="l" defTabSz="914400" rtl="0" eaLnBrk="0" fontAlgn="base" latinLnBrk="0" hangingPunct="0">
+              <a:lnSpc>
+                <a:spcPct val="100000"/>
+              </a:lnSpc>
+              <a:spcBef>
+                <a:spcPct val="0"/>
+              </a:spcBef>
+              <a:spcAft>
+                <a:spcPct val="0"/>
+              </a:spcAft>
+              <a:buClrTx/>
+              <a:buSzTx/>
+              <a:buFontTx/>
+              <a:buNone/>
+              <a:tabLst/>
+            </a:pPr>
+            <a:r>
+              <a:rPr lang="en-US" altLang="en-US" dirty="0">
+                <a:latin typeface="Calibri" panose="020F0502020204030204" pitchFamily="34" charset="0"/>
+                <a:ea typeface="Calibri" panose="020F0502020204030204" pitchFamily="34" charset="0"/>
+                <a:cs typeface="Times New Roman" panose="02020603050405020304" pitchFamily="18" charset="0"/>
+              </a:rPr>
+              <a:t>The model with </a:t>
+            </a:r>
+            <a:r>
+              <a:rPr kumimoji="0" lang="en-US" altLang="en-US" b="0" i="0" u="none" strike="noStrike" cap="none" normalizeH="0" baseline="0" dirty="0">
+                <a:ln>
+                  <a:noFill/>
+                </a:ln>
+                <a:solidFill>
+                  <a:schemeClr val="tx1"/>
+                </a:solidFill>
+                <a:effectLst/>
+                <a:latin typeface="Calibri" panose="020F0502020204030204" pitchFamily="34" charset="0"/>
+                <a:ea typeface="Calibri" panose="020F0502020204030204" pitchFamily="34" charset="0"/>
+                <a:cs typeface="Times New Roman" panose="02020603050405020304" pitchFamily="18" charset="0"/>
+              </a:rPr>
+              <a:t> </a:t>
+            </a:r>
+            <a:r>
+              <a:rPr kumimoji="0" lang="en-US" altLang="en-US" sz="1800" b="0" i="1" u="none" strike="noStrike" kern="1200" cap="none" spc="0" normalizeH="0" baseline="0" noProof="0" dirty="0" err="1">
+                <a:ln>
+                  <a:noFill/>
+                </a:ln>
+                <a:solidFill>
+                  <a:prstClr val="black"/>
+                </a:solidFill>
+                <a:effectLst/>
+                <a:uLnTx/>
+                <a:uFillTx/>
+                <a:latin typeface="Calibri" panose="020F0502020204030204" pitchFamily="34" charset="0"/>
+                <a:ea typeface="Calibri" panose="020F0502020204030204" pitchFamily="34" charset="0"/>
+                <a:cs typeface="Times New Roman" panose="02020603050405020304" pitchFamily="18" charset="0"/>
+              </a:rPr>
+              <a:t>y</a:t>
+            </a:r>
+            <a:r>
+              <a:rPr kumimoji="0" lang="en-US" altLang="en-US" sz="1800" b="0" i="1" u="none" strike="noStrike" kern="1200" cap="none" spc="0" normalizeH="0" baseline="-30000" noProof="0" dirty="0" err="1">
+                <a:ln>
+                  <a:noFill/>
+                </a:ln>
+                <a:solidFill>
+                  <a:prstClr val="black"/>
+                </a:solidFill>
+                <a:effectLst/>
+                <a:uLnTx/>
+                <a:uFillTx/>
+                <a:latin typeface="Calibri" panose="020F0502020204030204" pitchFamily="34" charset="0"/>
+                <a:ea typeface="Calibri" panose="020F0502020204030204" pitchFamily="34" charset="0"/>
+                <a:cs typeface="Times New Roman" panose="02020603050405020304" pitchFamily="18" charset="0"/>
+              </a:rPr>
+              <a:t>VA</a:t>
+            </a:r>
+            <a:r>
+              <a:rPr kumimoji="0" lang="en-US" altLang="en-US" sz="1800" b="0" i="0" u="none" strike="noStrike" kern="1200" cap="none" spc="0" normalizeH="0" baseline="0" noProof="0" dirty="0">
+                <a:ln>
+                  <a:noFill/>
+                </a:ln>
+                <a:solidFill>
+                  <a:prstClr val="black"/>
+                </a:solidFill>
+                <a:effectLst/>
+                <a:uLnTx/>
+                <a:uFillTx/>
+                <a:latin typeface="Calibri" panose="020F0502020204030204" pitchFamily="34" charset="0"/>
+                <a:ea typeface="Calibri" panose="020F0502020204030204" pitchFamily="34" charset="0"/>
+                <a:cs typeface="Times New Roman" panose="02020603050405020304" pitchFamily="18" charset="0"/>
+              </a:rPr>
+              <a:t>, </a:t>
+            </a:r>
+            <a:r>
+              <a:rPr kumimoji="0" lang="en-US" altLang="en-US" sz="1800" b="0" i="1" u="none" strike="noStrike" kern="1200" cap="none" spc="0" normalizeH="0" baseline="0" noProof="0" dirty="0" err="1">
+                <a:ln>
+                  <a:noFill/>
+                </a:ln>
+                <a:solidFill>
+                  <a:prstClr val="black"/>
+                </a:solidFill>
+                <a:effectLst/>
+                <a:uLnTx/>
+                <a:uFillTx/>
+                <a:latin typeface="Calibri" panose="020F0502020204030204" pitchFamily="34" charset="0"/>
+                <a:ea typeface="Calibri" panose="020F0502020204030204" pitchFamily="34" charset="0"/>
+                <a:cs typeface="Times New Roman" panose="02020603050405020304" pitchFamily="18" charset="0"/>
+              </a:rPr>
+              <a:t>μ</a:t>
+            </a:r>
+            <a:r>
+              <a:rPr kumimoji="0" lang="en-US" altLang="en-US" sz="1800" b="0" i="1" u="none" strike="noStrike" kern="1200" cap="none" spc="0" normalizeH="0" baseline="-30000" noProof="0" dirty="0" err="1">
+                <a:ln>
+                  <a:noFill/>
+                </a:ln>
+                <a:solidFill>
+                  <a:prstClr val="black"/>
+                </a:solidFill>
+                <a:effectLst/>
+                <a:uLnTx/>
+                <a:uFillTx/>
+                <a:latin typeface="Calibri" panose="020F0502020204030204" pitchFamily="34" charset="0"/>
+                <a:ea typeface="Calibri" panose="020F0502020204030204" pitchFamily="34" charset="0"/>
+                <a:cs typeface="Times New Roman" panose="02020603050405020304" pitchFamily="18" charset="0"/>
+              </a:rPr>
+              <a:t>emb</a:t>
+            </a:r>
+            <a:r>
+              <a:rPr kumimoji="0" lang="en-US" altLang="en-US" sz="1800" b="0" i="0" u="none" strike="noStrike" kern="1200" cap="none" spc="0" normalizeH="0" baseline="0" noProof="0" dirty="0">
+                <a:ln>
+                  <a:noFill/>
+                </a:ln>
+                <a:solidFill>
+                  <a:prstClr val="black"/>
+                </a:solidFill>
+                <a:effectLst/>
+                <a:uLnTx/>
+                <a:uFillTx/>
+                <a:latin typeface="Calibri" panose="020F0502020204030204" pitchFamily="34" charset="0"/>
+                <a:ea typeface="Calibri" panose="020F0502020204030204" pitchFamily="34" charset="0"/>
+                <a:cs typeface="Times New Roman" panose="02020603050405020304" pitchFamily="18" charset="0"/>
+              </a:rPr>
+              <a:t>, and </a:t>
+            </a:r>
+            <a:r>
+              <a:rPr kumimoji="0" lang="en-US" altLang="en-US" sz="1800" b="0" i="1" u="none" strike="noStrike" kern="1200" cap="none" spc="0" normalizeH="0" baseline="0" noProof="0" dirty="0" err="1">
+                <a:ln>
+                  <a:noFill/>
+                </a:ln>
+                <a:solidFill>
+                  <a:prstClr val="black"/>
+                </a:solidFill>
+                <a:effectLst/>
+                <a:uLnTx/>
+                <a:uFillTx/>
+                <a:latin typeface="Calibri" panose="020F0502020204030204" pitchFamily="34" charset="0"/>
+                <a:ea typeface="Calibri" panose="020F0502020204030204" pitchFamily="34" charset="0"/>
+                <a:cs typeface="Times New Roman" panose="02020603050405020304" pitchFamily="18" charset="0"/>
+              </a:rPr>
+              <a:t>μ</a:t>
+            </a:r>
+            <a:r>
+              <a:rPr kumimoji="0" lang="en-US" altLang="en-US" sz="1800" b="0" i="1" u="none" strike="noStrike" kern="1200" cap="none" spc="0" normalizeH="0" baseline="-30000" noProof="0" dirty="0" err="1">
+                <a:ln>
+                  <a:noFill/>
+                </a:ln>
+                <a:solidFill>
+                  <a:prstClr val="black"/>
+                </a:solidFill>
+                <a:effectLst/>
+                <a:uLnTx/>
+                <a:uFillTx/>
+                <a:latin typeface="Calibri" panose="020F0502020204030204" pitchFamily="34" charset="0"/>
+                <a:ea typeface="Calibri" panose="020F0502020204030204" pitchFamily="34" charset="0"/>
+                <a:cs typeface="Times New Roman" panose="02020603050405020304" pitchFamily="18" charset="0"/>
+              </a:rPr>
+              <a:t>lar</a:t>
+            </a:r>
+            <a:r>
+              <a:rPr kumimoji="0" lang="en-US" altLang="en-US" sz="1800" b="0" i="0" u="none" strike="noStrike" kern="1200" cap="none" spc="0" normalizeH="0" baseline="0" noProof="0" dirty="0">
+                <a:ln>
+                  <a:noFill/>
+                </a:ln>
+                <a:solidFill>
+                  <a:prstClr val="black"/>
+                </a:solidFill>
+                <a:effectLst/>
+                <a:uLnTx/>
+                <a:uFillTx/>
+                <a:latin typeface="Calibri" panose="020F0502020204030204" pitchFamily="34" charset="0"/>
+                <a:ea typeface="Calibri" panose="020F0502020204030204" pitchFamily="34" charset="0"/>
+                <a:cs typeface="Times New Roman" panose="02020603050405020304" pitchFamily="18" charset="0"/>
+              </a:rPr>
+              <a:t> is </a:t>
+            </a:r>
+            <a:r>
+              <a:rPr kumimoji="0" lang="en-US" altLang="en-US" sz="1800" b="0" i="0" u="none" strike="noStrike" kern="1200" cap="none" spc="0" normalizeH="0" baseline="0" noProof="0">
+                <a:ln>
+                  <a:noFill/>
+                </a:ln>
+                <a:solidFill>
+                  <a:prstClr val="black"/>
+                </a:solidFill>
+                <a:effectLst/>
+                <a:uLnTx/>
+                <a:uFillTx/>
+                <a:latin typeface="Calibri" panose="020F0502020204030204" pitchFamily="34" charset="0"/>
+                <a:ea typeface="Calibri" panose="020F0502020204030204" pitchFamily="34" charset="0"/>
+                <a:cs typeface="Times New Roman" panose="02020603050405020304" pitchFamily="18" charset="0"/>
+              </a:rPr>
+              <a:t>0.72/0.00022 = 3272.72</a:t>
             </a:r>
             <a:endParaRPr kumimoji="0" lang="en-US" altLang="en-US" sz="3200" b="0" i="0" u="none" strike="noStrike" cap="none" normalizeH="0" baseline="0" dirty="0">
               <a:ln>
@@ -8220,6 +8432,263 @@
     <p:extLst>
       <p:ext uri="{BB962C8B-B14F-4D97-AF65-F5344CB8AC3E}">
         <p14:creationId xmlns:p14="http://schemas.microsoft.com/office/powerpoint/2010/main" val="3491919699"/>
+      </p:ext>
+    </p:extLst>
+  </p:cSld>
+  <p:clrMapOvr>
+    <a:masterClrMapping/>
+  </p:clrMapOvr>
+</p:sld>
+</file>
+
+<file path=ppt/slides/slide16.xml><?xml version="1.0" encoding="utf-8"?>
+<p:sld xmlns:a="http://schemas.openxmlformats.org/drawingml/2006/main" xmlns:r="http://schemas.openxmlformats.org/officeDocument/2006/relationships" xmlns:p="http://schemas.openxmlformats.org/presentationml/2006/main">
+  <p:cSld>
+    <p:spTree>
+      <p:nvGrpSpPr>
+        <p:cNvPr id="1" name=""/>
+        <p:cNvGrpSpPr/>
+        <p:nvPr/>
+      </p:nvGrpSpPr>
+      <p:grpSpPr>
+        <a:xfrm>
+          <a:off x="0" y="0"/>
+          <a:ext cx="0" cy="0"/>
+          <a:chOff x="0" y="0"/>
+          <a:chExt cx="0" cy="0"/>
+        </a:xfrm>
+      </p:grpSpPr>
+      <p:sp>
+        <p:nvSpPr>
+          <p:cNvPr id="2" name="Title 1">
+            <a:extLst>
+              <a:ext uri="{FF2B5EF4-FFF2-40B4-BE49-F238E27FC236}">
+                <a16:creationId xmlns:a16="http://schemas.microsoft.com/office/drawing/2014/main" id="{D481DA28-D8E5-3A41-68A3-E86D78AE9860}"/>
+              </a:ext>
+            </a:extLst>
+          </p:cNvPr>
+          <p:cNvSpPr>
+            <a:spLocks noGrp="1"/>
+          </p:cNvSpPr>
+          <p:nvPr>
+            <p:ph type="title"/>
+          </p:nvPr>
+        </p:nvSpPr>
+        <p:spPr/>
+        <p:txBody>
+          <a:bodyPr/>
+          <a:lstStyle/>
+          <a:p>
+            <a:endParaRPr lang="en-US"/>
+          </a:p>
+        </p:txBody>
+      </p:sp>
+      <p:sp>
+        <p:nvSpPr>
+          <p:cNvPr id="3" name="Content Placeholder 2">
+            <a:extLst>
+              <a:ext uri="{FF2B5EF4-FFF2-40B4-BE49-F238E27FC236}">
+                <a16:creationId xmlns:a16="http://schemas.microsoft.com/office/drawing/2014/main" id="{FA302ECB-0AAA-FB2F-EB78-40AA08DC3FF9}"/>
+              </a:ext>
+            </a:extLst>
+          </p:cNvPr>
+          <p:cNvSpPr>
+            <a:spLocks noGrp="1"/>
+          </p:cNvSpPr>
+          <p:nvPr>
+            <p:ph idx="1"/>
+          </p:nvPr>
+        </p:nvSpPr>
+        <p:spPr/>
+        <p:txBody>
+          <a:bodyPr>
+            <a:normAutofit/>
+          </a:bodyPr>
+          <a:lstStyle/>
+          <a:p>
+            <a:r>
+              <a:rPr lang="en-US" sz="1050" dirty="0"/>
+              <a:t>Intro is long. A </a:t>
+            </a:r>
+            <a:r>
+              <a:rPr lang="en-US" sz="1050" dirty="0" err="1"/>
+              <a:t>lto</a:t>
+            </a:r>
+            <a:r>
+              <a:rPr lang="en-US" sz="1050" dirty="0"/>
+              <a:t> of it is critical for understanding the model, move a lot of the second half to methods. Physiological background, expand section that introduces ‘relating abstract deb processes to physiology’. </a:t>
+            </a:r>
+          </a:p>
+          <a:p>
+            <a:pPr lvl="1"/>
+            <a:r>
+              <a:rPr lang="en-US" sz="650" dirty="0"/>
+              <a:t>For a theory or modeling journal don t need to stick to typical structure. Can have whatever sections you like. Maybe call methods section something different. Methods section can include the WHY as well as the WHAT we did. </a:t>
+            </a:r>
+          </a:p>
+          <a:p>
+            <a:pPr lvl="1"/>
+            <a:endParaRPr lang="en-US" sz="650" dirty="0"/>
+          </a:p>
+          <a:p>
+            <a:r>
+              <a:rPr lang="en-US" sz="1050" dirty="0"/>
+              <a:t>Diel fluctuations intro point may not be needed for intro but rather discussion, because time scale doesn’t work with DEB. Roger thinks the interaction stuff is important </a:t>
+            </a:r>
+            <a:r>
+              <a:rPr lang="en-US" sz="1050" dirty="0" err="1"/>
+              <a:t>tho</a:t>
+            </a:r>
+            <a:r>
+              <a:rPr lang="en-US" sz="1050" dirty="0"/>
+              <a:t>. There are other models that specifically look at extreme events which would be good to look at fluctuations. </a:t>
+            </a:r>
+          </a:p>
+          <a:p>
+            <a:r>
+              <a:rPr lang="en-US" sz="1050" dirty="0"/>
+              <a:t>DEB model should be mentioned before stuff about connecting to population changes (which we don’t even look at). </a:t>
+            </a:r>
+          </a:p>
+          <a:p>
+            <a:pPr lvl="1"/>
+            <a:r>
+              <a:rPr lang="en-US" sz="650" dirty="0"/>
+              <a:t>Or maybe leave it as is pretty much but pick up in discussion that we don’t have the full life data on hypoxia in adults to get population dynamics. </a:t>
+            </a:r>
+          </a:p>
+          <a:p>
+            <a:pPr lvl="1"/>
+            <a:endParaRPr lang="en-US" sz="650" dirty="0"/>
+          </a:p>
+          <a:p>
+            <a:r>
+              <a:rPr lang="en-US" sz="1050"/>
+              <a:t>Rewrite </a:t>
+            </a:r>
+            <a:r>
+              <a:rPr lang="en-US" sz="1050" dirty="0"/>
+              <a:t>paragraph 5 using Jager recent papers about merits of simplification in investigating stress: a lot of the work by </a:t>
+            </a:r>
+            <a:r>
+              <a:rPr lang="en-US" sz="1050" dirty="0" err="1"/>
+              <a:t>Kooijman</a:t>
+            </a:r>
+            <a:r>
+              <a:rPr lang="en-US" sz="1050" dirty="0"/>
+              <a:t> has been about unified approach across all species, but for modeling stress (control vs treatments) – what matters is having a good fit to control. Std DEB doesn’t </a:t>
+            </a:r>
+            <a:r>
+              <a:rPr lang="en-US" sz="1050" dirty="0" err="1"/>
+              <a:t>necessarly</a:t>
+            </a:r>
+            <a:r>
+              <a:rPr lang="en-US" sz="1050" dirty="0"/>
+              <a:t> do good characterization of the life stages we are interested in, but </a:t>
+            </a:r>
+            <a:r>
+              <a:rPr lang="en-US" sz="1050" dirty="0" err="1"/>
+              <a:t>DEBkiss</a:t>
+            </a:r>
+            <a:r>
+              <a:rPr lang="en-US" sz="1050" dirty="0"/>
+              <a:t> gives access to sharper ability to characterize ELS. We are mostly not concerned with complete description of life cycle. We are concerned with contrasting </a:t>
+            </a:r>
+            <a:r>
+              <a:rPr lang="en-US" sz="1050" dirty="0" err="1"/>
+              <a:t>normoxia</a:t>
+            </a:r>
+            <a:r>
+              <a:rPr lang="en-US" sz="1050" dirty="0"/>
+              <a:t> and hypoxia responses. </a:t>
+            </a:r>
+          </a:p>
+          <a:p>
+            <a:pPr lvl="1"/>
+            <a:r>
+              <a:rPr lang="en-US" sz="650" dirty="0"/>
+              <a:t>Also we don’t describe the standard DEB model before mentioning it. </a:t>
+            </a:r>
+          </a:p>
+          <a:p>
+            <a:pPr lvl="1"/>
+            <a:r>
+              <a:rPr lang="en-US" sz="650" dirty="0"/>
+              <a:t>Roger will rewrite</a:t>
+            </a:r>
+          </a:p>
+          <a:p>
+            <a:r>
+              <a:rPr lang="en-US" sz="1050" dirty="0"/>
+              <a:t>6</a:t>
+            </a:r>
+            <a:r>
+              <a:rPr lang="en-US" sz="1050" baseline="30000" dirty="0"/>
+              <a:t>th</a:t>
+            </a:r>
+            <a:r>
+              <a:rPr lang="en-US" sz="1050" dirty="0"/>
+              <a:t> paragraph “road map” – all the necessary background is covered up to this point. End intro here, everything after this moves to part of next section. </a:t>
+            </a:r>
+          </a:p>
+          <a:p>
+            <a:r>
+              <a:rPr lang="en-US" sz="1050" dirty="0"/>
+              <a:t>Section 2.2 Relating abstract </a:t>
+            </a:r>
+            <a:r>
+              <a:rPr lang="en-US" sz="1050" dirty="0" err="1"/>
+              <a:t>DEBkiss</a:t>
+            </a:r>
+            <a:r>
+              <a:rPr lang="en-US" sz="1050" dirty="0"/>
+              <a:t> processes to physiology. </a:t>
+            </a:r>
+          </a:p>
+          <a:p>
+            <a:pPr lvl="1"/>
+            <a:r>
+              <a:rPr lang="en-US" sz="650" dirty="0"/>
+              <a:t>Do we want subsection on linking inhibition and damage to hypoxia? </a:t>
+            </a:r>
+          </a:p>
+          <a:p>
+            <a:pPr lvl="1"/>
+            <a:r>
+              <a:rPr lang="en-US" sz="650" dirty="0"/>
+              <a:t>Mortality</a:t>
+            </a:r>
+          </a:p>
+          <a:p>
+            <a:pPr lvl="1"/>
+            <a:endParaRPr lang="en-US" sz="650" dirty="0"/>
+          </a:p>
+          <a:p>
+            <a:r>
+              <a:rPr lang="en-US" sz="1050" dirty="0"/>
+              <a:t>Data and fitting: hard to understand? </a:t>
+            </a:r>
+          </a:p>
+          <a:p>
+            <a:r>
+              <a:rPr lang="en-US" sz="1050" dirty="0"/>
+              <a:t>Remove </a:t>
+            </a:r>
+            <a:r>
+              <a:rPr lang="en-US" sz="1050" dirty="0" err="1"/>
+              <a:t>LVf</a:t>
+            </a:r>
+            <a:r>
+              <a:rPr lang="en-US" sz="1050" dirty="0"/>
+              <a:t> parameter</a:t>
+            </a:r>
+          </a:p>
+        </p:txBody>
+      </p:sp>
+    </p:spTree>
+    <p:extLst>
+      <p:ext uri="{BB962C8B-B14F-4D97-AF65-F5344CB8AC3E}">
+        <p14:creationId xmlns:p14="http://schemas.microsoft.com/office/powerpoint/2010/main" val="2157976847"/>
       </p:ext>
     </p:extLst>
   </p:cSld>
